--- a/2017-11-01-Malthe.pptx
+++ b/2017-11-01-Malthe.pptx
@@ -6,7 +6,7 @@
   </p:sldMasterIdLst>
   <p:sldIdLst>
     <p:sldId id="256" r:id="rId2"/>
-    <p:sldId id="258" r:id="rId3"/>
+    <p:sldId id="259" r:id="rId3"/>
     <p:sldId id="257" r:id="rId4"/>
   </p:sldIdLst>
   <p:sldSz cx="12192000" cy="6858000"/>
@@ -106,6 +106,11 @@
       </a:defRPr>
     </a:lvl9pPr>
   </p:defaultTextStyle>
+  <p:extLst>
+    <p:ext uri="{EFAFB233-063F-42B5-8137-9DF3F51BA10A}">
+      <p15:sldGuideLst xmlns:p15="http://schemas.microsoft.com/office/powerpoint/2012/main"/>
+    </p:ext>
+  </p:extLst>
 </p:presentation>
 </file>
 
@@ -240,7 +245,7 @@
           <a:p>
             <a:fld id="{20EA3F80-BDFD-F245-94EE-5840F20F4C2F}" type="datetimeFigureOut">
               <a:rPr lang="en-US" smtClean="0"/>
-              <a:t>10/31/17</a:t>
+              <a:t>11/1/17</a:t>
             </a:fld>
             <a:endParaRPr lang="en-US"/>
           </a:p>
@@ -410,7 +415,7 @@
           <a:p>
             <a:fld id="{20EA3F80-BDFD-F245-94EE-5840F20F4C2F}" type="datetimeFigureOut">
               <a:rPr lang="en-US" smtClean="0"/>
-              <a:t>10/31/17</a:t>
+              <a:t>11/1/17</a:t>
             </a:fld>
             <a:endParaRPr lang="en-US"/>
           </a:p>
@@ -590,7 +595,7 @@
           <a:p>
             <a:fld id="{20EA3F80-BDFD-F245-94EE-5840F20F4C2F}" type="datetimeFigureOut">
               <a:rPr lang="en-US" smtClean="0"/>
-              <a:t>10/31/17</a:t>
+              <a:t>11/1/17</a:t>
             </a:fld>
             <a:endParaRPr lang="en-US"/>
           </a:p>
@@ -760,7 +765,7 @@
           <a:p>
             <a:fld id="{20EA3F80-BDFD-F245-94EE-5840F20F4C2F}" type="datetimeFigureOut">
               <a:rPr lang="en-US" smtClean="0"/>
-              <a:t>10/31/17</a:t>
+              <a:t>11/1/17</a:t>
             </a:fld>
             <a:endParaRPr lang="en-US"/>
           </a:p>
@@ -1006,7 +1011,7 @@
           <a:p>
             <a:fld id="{20EA3F80-BDFD-F245-94EE-5840F20F4C2F}" type="datetimeFigureOut">
               <a:rPr lang="en-US" smtClean="0"/>
-              <a:t>10/31/17</a:t>
+              <a:t>11/1/17</a:t>
             </a:fld>
             <a:endParaRPr lang="en-US"/>
           </a:p>
@@ -1238,7 +1243,7 @@
           <a:p>
             <a:fld id="{20EA3F80-BDFD-F245-94EE-5840F20F4C2F}" type="datetimeFigureOut">
               <a:rPr lang="en-US" smtClean="0"/>
-              <a:t>10/31/17</a:t>
+              <a:t>11/1/17</a:t>
             </a:fld>
             <a:endParaRPr lang="en-US"/>
           </a:p>
@@ -1605,7 +1610,7 @@
           <a:p>
             <a:fld id="{20EA3F80-BDFD-F245-94EE-5840F20F4C2F}" type="datetimeFigureOut">
               <a:rPr lang="en-US" smtClean="0"/>
-              <a:t>10/31/17</a:t>
+              <a:t>11/1/17</a:t>
             </a:fld>
             <a:endParaRPr lang="en-US"/>
           </a:p>
@@ -1723,7 +1728,7 @@
           <a:p>
             <a:fld id="{20EA3F80-BDFD-F245-94EE-5840F20F4C2F}" type="datetimeFigureOut">
               <a:rPr lang="en-US" smtClean="0"/>
-              <a:t>10/31/17</a:t>
+              <a:t>11/1/17</a:t>
             </a:fld>
             <a:endParaRPr lang="en-US"/>
           </a:p>
@@ -1818,7 +1823,7 @@
           <a:p>
             <a:fld id="{20EA3F80-BDFD-F245-94EE-5840F20F4C2F}" type="datetimeFigureOut">
               <a:rPr lang="en-US" smtClean="0"/>
-              <a:t>10/31/17</a:t>
+              <a:t>11/1/17</a:t>
             </a:fld>
             <a:endParaRPr lang="en-US"/>
           </a:p>
@@ -2095,7 +2100,7 @@
           <a:p>
             <a:fld id="{20EA3F80-BDFD-F245-94EE-5840F20F4C2F}" type="datetimeFigureOut">
               <a:rPr lang="en-US" smtClean="0"/>
-              <a:t>10/31/17</a:t>
+              <a:t>11/1/17</a:t>
             </a:fld>
             <a:endParaRPr lang="en-US"/>
           </a:p>
@@ -2348,7 +2353,7 @@
           <a:p>
             <a:fld id="{20EA3F80-BDFD-F245-94EE-5840F20F4C2F}" type="datetimeFigureOut">
               <a:rPr lang="en-US" smtClean="0"/>
-              <a:t>10/31/17</a:t>
+              <a:t>11/1/17</a:t>
             </a:fld>
             <a:endParaRPr lang="en-US"/>
           </a:p>
@@ -2561,7 +2566,7 @@
           <a:p>
             <a:fld id="{20EA3F80-BDFD-F245-94EE-5840F20F4C2F}" type="datetimeFigureOut">
               <a:rPr lang="en-US" smtClean="0"/>
-              <a:t>10/31/17</a:t>
+              <a:t>11/1/17</a:t>
             </a:fld>
             <a:endParaRPr lang="en-US"/>
           </a:p>
@@ -2998,7 +3003,7 @@
       </p:pic>
       <p:pic>
         <p:nvPicPr>
-          <p:cNvPr id="5" name="Picture 4"/>
+          <p:cNvPr id="2" name="Picture 1"/>
           <p:cNvPicPr>
             <a:picLocks noChangeAspect="1"/>
           </p:cNvPicPr>
@@ -3018,8 +3023,8 @@
         </p:blipFill>
         <p:spPr>
           <a:xfrm>
-            <a:off x="6529607" y="0"/>
-            <a:ext cx="4479531" cy="3359649"/>
+            <a:off x="5852160" y="0"/>
+            <a:ext cx="4668491" cy="3501368"/>
           </a:xfrm>
           <a:prstGeom prst="rect">
             <a:avLst/>
@@ -3028,7 +3033,7 @@
       </p:pic>
       <p:pic>
         <p:nvPicPr>
-          <p:cNvPr id="6" name="Picture 5"/>
+          <p:cNvPr id="3" name="Picture 2"/>
           <p:cNvPicPr>
             <a:picLocks noChangeAspect="1"/>
           </p:cNvPicPr>
@@ -3048,8 +3053,8 @@
         </p:blipFill>
         <p:spPr>
           <a:xfrm>
-            <a:off x="6529607" y="3359649"/>
-            <a:ext cx="4548028" cy="3411021"/>
+            <a:off x="5833495" y="3342633"/>
+            <a:ext cx="4687156" cy="3515367"/>
           </a:xfrm>
           <a:prstGeom prst="rect">
             <a:avLst/>
@@ -3088,7 +3093,7 @@
       </p:grpSpPr>
       <p:pic>
         <p:nvPicPr>
-          <p:cNvPr id="4" name="Picture 3"/>
+          <p:cNvPr id="5" name="Picture 4"/>
           <p:cNvPicPr>
             <a:picLocks noChangeAspect="1"/>
           </p:cNvPicPr>
@@ -3108,38 +3113,8 @@
         </p:blipFill>
         <p:spPr>
           <a:xfrm>
-            <a:off x="604035" y="1221626"/>
-            <a:ext cx="5837860" cy="4378395"/>
-          </a:xfrm>
-          <a:prstGeom prst="rect">
-            <a:avLst/>
-          </a:prstGeom>
-        </p:spPr>
-      </p:pic>
-      <p:pic>
-        <p:nvPicPr>
-          <p:cNvPr id="5" name="Picture 4"/>
-          <p:cNvPicPr>
-            <a:picLocks noChangeAspect="1"/>
-          </p:cNvPicPr>
-          <p:nvPr/>
-        </p:nvPicPr>
-        <p:blipFill>
-          <a:blip r:embed="rId3">
-            <a:extLst>
-              <a:ext uri="{28A0092B-C50C-407E-A947-70E740481C1C}">
-                <a14:useLocalDpi xmlns:a14="http://schemas.microsoft.com/office/drawing/2010/main" val="0"/>
-              </a:ext>
-            </a:extLst>
-          </a:blip>
-          <a:stretch>
-            <a:fillRect/>
-          </a:stretch>
-        </p:blipFill>
-        <p:spPr>
-          <a:xfrm>
-            <a:off x="5956871" y="1221625"/>
-            <a:ext cx="5837861" cy="4378396"/>
+            <a:off x="1511300" y="1066800"/>
+            <a:ext cx="9156700" cy="4724400"/>
           </a:xfrm>
           <a:prstGeom prst="rect">
             <a:avLst/>
@@ -3149,7 +3124,7 @@
     </p:spTree>
     <p:extLst>
       <p:ext uri="{BB962C8B-B14F-4D97-AF65-F5344CB8AC3E}">
-        <p14:creationId xmlns:p14="http://schemas.microsoft.com/office/powerpoint/2010/main" val="1692659960"/>
+        <p14:creationId xmlns:p14="http://schemas.microsoft.com/office/powerpoint/2010/main" val="806971652"/>
       </p:ext>
     </p:extLst>
   </p:cSld>
@@ -3208,7 +3183,7 @@
       </p:pic>
       <p:pic>
         <p:nvPicPr>
-          <p:cNvPr id="5" name="Picture 4"/>
+          <p:cNvPr id="2" name="Picture 1"/>
           <p:cNvPicPr>
             <a:picLocks noChangeAspect="1"/>
           </p:cNvPicPr>
@@ -3228,8 +3203,8 @@
         </p:blipFill>
         <p:spPr>
           <a:xfrm>
-            <a:off x="5852160" y="0"/>
-            <a:ext cx="4548026" cy="3411020"/>
+            <a:off x="6102849" y="0"/>
+            <a:ext cx="4576024" cy="3432018"/>
           </a:xfrm>
           <a:prstGeom prst="rect">
             <a:avLst/>
@@ -3238,7 +3213,7 @@
       </p:pic>
       <p:pic>
         <p:nvPicPr>
-          <p:cNvPr id="6" name="Picture 5"/>
+          <p:cNvPr id="3" name="Picture 2"/>
           <p:cNvPicPr>
             <a:picLocks noChangeAspect="1"/>
           </p:cNvPicPr>
@@ -3258,8 +3233,8 @@
         </p:blipFill>
         <p:spPr>
           <a:xfrm>
-            <a:off x="5852160" y="3411020"/>
-            <a:ext cx="4548026" cy="3411020"/>
+            <a:off x="6102849" y="3426431"/>
+            <a:ext cx="4575425" cy="3431569"/>
           </a:xfrm>
           <a:prstGeom prst="rect">
             <a:avLst/>
